--- a/GetAQuote.pptx
+++ b/GetAQuote.pptx
@@ -16,6 +16,7 @@
     <p:sldId id="262" r:id="rId10"/>
     <p:sldId id="266" r:id="rId11"/>
     <p:sldId id="267" r:id="rId12"/>
+    <p:sldId id="270" r:id="rId13"/>
   </p:sldIdLst>
   <p:sldSz cx="12192000" cy="6858000"/>
   <p:notesSz cx="6858000" cy="9144000"/>
@@ -3582,6 +3583,136 @@
     <p:extLst>
       <p:ext uri="{BB962C8B-B14F-4D97-AF65-F5344CB8AC3E}">
         <p14:creationId xmlns:p14="http://schemas.microsoft.com/office/powerpoint/2010/main" val="851762579"/>
+      </p:ext>
+    </p:extLst>
+  </p:cSld>
+  <p:clrMapOvr>
+    <a:masterClrMapping/>
+  </p:clrMapOvr>
+</p:sld>
+</file>
+
+<file path=ppt/slides/slide12.xml><?xml version="1.0" encoding="utf-8"?>
+<p:sld xmlns:a="http://schemas.openxmlformats.org/drawingml/2006/main" xmlns:r="http://schemas.openxmlformats.org/officeDocument/2006/relationships" xmlns:p="http://schemas.openxmlformats.org/presentationml/2006/main">
+  <p:cSld>
+    <p:spTree>
+      <p:nvGrpSpPr>
+        <p:cNvPr id="1" name=""/>
+        <p:cNvGrpSpPr/>
+        <p:nvPr/>
+      </p:nvGrpSpPr>
+      <p:grpSpPr>
+        <a:xfrm>
+          <a:off x="0" y="0"/>
+          <a:ext cx="0" cy="0"/>
+          <a:chOff x="0" y="0"/>
+          <a:chExt cx="0" cy="0"/>
+        </a:xfrm>
+      </p:grpSpPr>
+      <p:sp>
+        <p:nvSpPr>
+          <p:cNvPr id="2" name="Title 1">
+            <a:extLst>
+              <a:ext uri="{FF2B5EF4-FFF2-40B4-BE49-F238E27FC236}">
+                <a16:creationId xmlns:a16="http://schemas.microsoft.com/office/drawing/2014/main" id="{F5901567-9439-492E-8FF0-736D1C3C4E49}"/>
+              </a:ext>
+            </a:extLst>
+          </p:cNvPr>
+          <p:cNvSpPr>
+            <a:spLocks noGrp="1"/>
+          </p:cNvSpPr>
+          <p:nvPr>
+            <p:ph type="title"/>
+          </p:nvPr>
+        </p:nvSpPr>
+        <p:spPr/>
+        <p:txBody>
+          <a:bodyPr/>
+          <a:lstStyle/>
+          <a:p>
+            <a:r>
+              <a:rPr lang="en-US" dirty="0"/>
+              <a:t>Machine Learning </a:t>
+            </a:r>
+          </a:p>
+        </p:txBody>
+      </p:sp>
+      <p:sp>
+        <p:nvSpPr>
+          <p:cNvPr id="3" name="Content Placeholder 2">
+            <a:extLst>
+              <a:ext uri="{FF2B5EF4-FFF2-40B4-BE49-F238E27FC236}">
+                <a16:creationId xmlns:a16="http://schemas.microsoft.com/office/drawing/2014/main" id="{16FE15D9-0DA2-44C3-8D05-2BEBF160F7E4}"/>
+              </a:ext>
+            </a:extLst>
+          </p:cNvPr>
+          <p:cNvSpPr>
+            <a:spLocks noGrp="1"/>
+          </p:cNvSpPr>
+          <p:nvPr>
+            <p:ph idx="1"/>
+          </p:nvPr>
+        </p:nvSpPr>
+        <p:spPr/>
+        <p:txBody>
+          <a:bodyPr/>
+          <a:lstStyle/>
+          <a:p>
+            <a:r>
+              <a:rPr lang="en-US" b="1" dirty="0"/>
+              <a:t>Data</a:t>
+            </a:r>
+            <a:r>
+              <a:rPr lang="en-US" dirty="0"/>
+              <a:t>: 291294 observation and 82 features</a:t>
+            </a:r>
+          </a:p>
+          <a:p>
+            <a:r>
+              <a:rPr lang="en-US" b="1" dirty="0"/>
+              <a:t>Target: </a:t>
+            </a:r>
+            <a:r>
+              <a:rPr lang="en-US" dirty="0"/>
+              <a:t>Severity with 4 targets</a:t>
+            </a:r>
+          </a:p>
+          <a:p>
+            <a:r>
+              <a:rPr lang="en-US" b="1" dirty="0"/>
+              <a:t>Preprocess: </a:t>
+            </a:r>
+            <a:r>
+              <a:rPr lang="en-US" dirty="0"/>
+              <a:t>handling missing values, remove outliners, feature importance, apply different encoding schemes</a:t>
+            </a:r>
+          </a:p>
+          <a:p>
+            <a:r>
+              <a:rPr lang="en-US" b="1" dirty="0"/>
+              <a:t>Model: </a:t>
+            </a:r>
+            <a:r>
+              <a:rPr lang="en-US" dirty="0"/>
+              <a:t>logistic regression, Random forest, and XGB</a:t>
+            </a:r>
+          </a:p>
+          <a:p>
+            <a:r>
+              <a:rPr lang="en-US" b="1" dirty="0"/>
+              <a:t>Result</a:t>
+            </a:r>
+            <a:r>
+              <a:rPr lang="en-US" dirty="0"/>
+              <a:t>: Best model is Random forest with accuracy 66% and standard deviation of 0.079</a:t>
+            </a:r>
+          </a:p>
+        </p:txBody>
+      </p:sp>
+    </p:spTree>
+    <p:extLst>
+      <p:ext uri="{BB962C8B-B14F-4D97-AF65-F5344CB8AC3E}">
+        <p14:creationId xmlns:p14="http://schemas.microsoft.com/office/powerpoint/2010/main" val="1603075846"/>
       </p:ext>
     </p:extLst>
   </p:cSld>
